--- a/DailyDive.pptx
+++ b/DailyDive.pptx
@@ -6533,13 +6533,17 @@
               <a:rPr lang="en-US" dirty="0" smtClean="0"/>
               <a:t>Location based information portal</a:t>
             </a:r>
-            <a:endParaRPr dirty="0"/>
+            <a:endParaRPr dirty="0" smtClean="0"/>
           </a:p>
           <a:p>
             <a:pPr lvl="0"/>
             <a:r>
+              <a:rPr lang="en" dirty="0" smtClean="0"/>
+              <a:t>Visiting </a:t>
+            </a:r>
+            <a:r>
               <a:rPr lang="en" dirty="0"/>
-              <a:t>Visiting multiple websites and traversing ad-ridden content is exhausting.  I just want a single click to give me what I need to start the day</a:t>
+              <a:t>multiple websites and traversing ad-ridden content is exhausting.  I just want a single click to give me what I need to start the day</a:t>
             </a:r>
             <a:r>
               <a:rPr lang="en" dirty="0" smtClean="0"/>
@@ -6663,11 +6667,7 @@
             </a:pPr>
             <a:r>
               <a:rPr lang="en" dirty="0" smtClean="0"/>
-              <a:t>Technologies </a:t>
-            </a:r>
-            <a:r>
-              <a:rPr lang="en" dirty="0" smtClean="0"/>
-              <a:t>used</a:t>
+              <a:t>Technologies used</a:t>
             </a:r>
           </a:p>
           <a:p>
@@ -6681,7 +6681,6 @@
               <a:rPr lang="en" dirty="0" smtClean="0"/>
               <a:t>CSS, Bootstrap frontend</a:t>
             </a:r>
-            <a:endParaRPr lang="en" dirty="0" smtClean="0"/>
           </a:p>
           <a:p>
             <a:pPr lvl="2" indent="-342900">
@@ -6698,7 +6697,6 @@
               <a:rPr lang="en" dirty="0" smtClean="0"/>
               <a:t>avigator geolocation</a:t>
             </a:r>
-            <a:endParaRPr lang="en" dirty="0" smtClean="0"/>
           </a:p>
           <a:p>
             <a:pPr lvl="2" indent="-342900">
@@ -6755,7 +6753,6 @@
               <a:rPr lang="en" dirty="0" smtClean="0"/>
               <a:t>egional location data for local news</a:t>
             </a:r>
-            <a:endParaRPr lang="en" dirty="0" smtClean="0"/>
           </a:p>
           <a:p>
             <a:pPr lvl="2" indent="-342900">
@@ -6790,59 +6787,13 @@
             </a:pPr>
             <a:r>
               <a:rPr lang="en" dirty="0" smtClean="0"/>
-              <a:t>Write once, use many functionality to render news articles</a:t>
+              <a:t>Write once, use many functionality to render </a:t>
             </a:r>
-          </a:p>
-          <a:p>
-            <a:pPr marL="457200" lvl="0" indent="-342900" algn="l" rtl="0">
-              <a:spcBef>
-                <a:spcPts val="0"/>
-              </a:spcBef>
-              <a:spcAft>
-                <a:spcPts val="0"/>
-              </a:spcAft>
-              <a:buSzPts val="1800"/>
-              <a:buChar char="●"/>
-            </a:pPr>
             <a:r>
-              <a:rPr lang="en" dirty="0" smtClean="0"/>
-              <a:t>Breakdown of tasks and roles</a:t>
+              <a:rPr lang="en" smtClean="0"/>
+              <a:t>news articles</a:t>
             </a:r>
-            <a:endParaRPr dirty="0" smtClean="0"/>
-          </a:p>
-          <a:p>
-            <a:pPr marL="457200" lvl="0" indent="-342900" algn="l" rtl="0">
-              <a:spcBef>
-                <a:spcPts val="0"/>
-              </a:spcBef>
-              <a:spcAft>
-                <a:spcPts val="0"/>
-              </a:spcAft>
-              <a:buSzPts val="1800"/>
-              <a:buChar char="●"/>
-            </a:pPr>
-            <a:r>
-              <a:rPr lang="en" dirty="0" smtClean="0"/>
-              <a:t>Challenges</a:t>
-            </a:r>
-            <a:endParaRPr dirty="0" smtClean="0"/>
-          </a:p>
-          <a:p>
-            <a:pPr marL="457200" lvl="0" indent="-342900" algn="l" rtl="0">
-              <a:spcBef>
-                <a:spcPts val="0"/>
-              </a:spcBef>
-              <a:spcAft>
-                <a:spcPts val="0"/>
-              </a:spcAft>
-              <a:buSzPts val="1800"/>
-              <a:buChar char="●"/>
-            </a:pPr>
-            <a:r>
-              <a:rPr lang="en" dirty="0" smtClean="0"/>
-              <a:t>Successes</a:t>
-            </a:r>
-            <a:endParaRPr dirty="0"/>
+            <a:endParaRPr lang="en" dirty="0" smtClean="0"/>
           </a:p>
         </p:txBody>
       </p:sp>
@@ -6994,15 +6945,7 @@
             </a:pPr>
             <a:r>
               <a:rPr lang="en-US" dirty="0" smtClean="0"/>
-              <a:t>Sam – </a:t>
-            </a:r>
-            <a:r>
-              <a:rPr lang="en-US" dirty="0" smtClean="0"/>
-              <a:t>News c</a:t>
-            </a:r>
-            <a:r>
-              <a:rPr lang="en-US" dirty="0" smtClean="0"/>
-              <a:t>ard generation </a:t>
+              <a:t>Sam – News card generation </a:t>
             </a:r>
             <a:r>
               <a:rPr lang="en-US" dirty="0" err="1" smtClean="0"/>
@@ -7374,7 +7317,11 @@
             </a:pPr>
             <a:r>
               <a:rPr lang="en-US" dirty="0" smtClean="0"/>
-              <a:t>Further work on responsive layout</a:t>
+              <a:t>Further work on responsive </a:t>
+            </a:r>
+            <a:r>
+              <a:rPr lang="en-US" dirty="0" smtClean="0"/>
+              <a:t>layouts</a:t>
             </a:r>
             <a:endParaRPr dirty="0"/>
           </a:p>
